--- a/AutomacaoComScripts/Aula08-SocketsHttp/08-SocketsHttp.pptx
+++ b/AutomacaoComScripts/Aula08-SocketsHttp/08-SocketsHttp.pptx
@@ -373,7 +373,7 @@
               <a:pPr>
                 <a:defRPr/>
               </a:pPr>
-              <a:t>04/05/2017</a:t>
+              <a:t>24/05/2018</a:t>
             </a:fld>
             <a:endParaRPr lang="pt-BR"/>
           </a:p>
@@ -651,7 +651,7 @@
               <a:pPr>
                 <a:defRPr/>
               </a:pPr>
-              <a:t>04/05/2017</a:t>
+              <a:t>24/05/2018</a:t>
             </a:fld>
             <a:endParaRPr lang="pt-BR"/>
           </a:p>
@@ -843,7 +843,7 @@
               <a:pPr>
                 <a:defRPr/>
               </a:pPr>
-              <a:t>04/05/2017</a:t>
+              <a:t>24/05/2018</a:t>
             </a:fld>
             <a:endParaRPr lang="pt-BR"/>
           </a:p>
@@ -1045,7 +1045,7 @@
               <a:pPr>
                 <a:defRPr/>
               </a:pPr>
-              <a:t>04/05/2017</a:t>
+              <a:t>24/05/2018</a:t>
             </a:fld>
             <a:endParaRPr lang="pt-BR"/>
           </a:p>
@@ -1147,7 +1147,7 @@
           <a:blip r:embed="rId2" cstate="print">
             <a:extLst>
               <a:ext uri="{BEBA8EAE-BF5A-486C-A8C5-ECC9F3942E4B}">
-                <a14:imgProps xmlns:a14="http://schemas.microsoft.com/office/drawing/2010/main" xmlns="">
+                <a14:imgProps xmlns="" xmlns:a14="http://schemas.microsoft.com/office/drawing/2010/main">
                   <a14:imgLayer r:embed="rId3">
                     <a14:imgEffect>
                       <a14:saturation sat="305000"/>
@@ -1191,7 +1191,7 @@
           <a:blip r:embed="rId4" cstate="print">
             <a:extLst>
               <a:ext uri="{28A0092B-C50C-407E-A947-70E740481C1C}">
-                <a14:useLocalDpi xmlns:a14="http://schemas.microsoft.com/office/drawing/2010/main" xmlns="" val="0"/>
+                <a14:useLocalDpi xmlns="" xmlns:a14="http://schemas.microsoft.com/office/drawing/2010/main" val="0"/>
               </a:ext>
             </a:extLst>
           </a:blip>
@@ -1214,14 +1214,14 @@
           </a:ln>
           <a:extLst>
             <a:ext uri="{909E8E84-426E-40DD-AFC4-6F175D3DCCD1}">
-              <a14:hiddenFill xmlns:a14="http://schemas.microsoft.com/office/drawing/2010/main" xmlns="">
+              <a14:hiddenFill xmlns="" xmlns:a14="http://schemas.microsoft.com/office/drawing/2010/main">
                 <a:solidFill>
                   <a:srgbClr val="FFFFFF"/>
                 </a:solidFill>
               </a14:hiddenFill>
             </a:ext>
             <a:ext uri="{91240B29-F687-4F45-9708-019B960494DF}">
-              <a14:hiddenLine xmlns:a14="http://schemas.microsoft.com/office/drawing/2010/main" xmlns="" w="9525">
+              <a14:hiddenLine xmlns="" xmlns:a14="http://schemas.microsoft.com/office/drawing/2010/main" w="9525">
                 <a:solidFill>
                   <a:srgbClr val="000000"/>
                 </a:solidFill>
@@ -1439,7 +1439,7 @@
               <a:pPr>
                 <a:defRPr/>
               </a:pPr>
-              <a:t>04/05/2017</a:t>
+              <a:t>24/05/2018</a:t>
             </a:fld>
             <a:endParaRPr lang="pt-BR"/>
           </a:p>
@@ -1631,7 +1631,7 @@
               <a:pPr>
                 <a:defRPr/>
               </a:pPr>
-              <a:t>04/05/2017</a:t>
+              <a:t>24/05/2018</a:t>
             </a:fld>
             <a:endParaRPr lang="pt-BR"/>
           </a:p>
@@ -1899,7 +1899,7 @@
               <a:pPr>
                 <a:defRPr/>
               </a:pPr>
-              <a:t>04/05/2017</a:t>
+              <a:t>24/05/2018</a:t>
             </a:fld>
             <a:endParaRPr lang="pt-BR"/>
           </a:p>
@@ -2209,7 +2209,7 @@
               <a:pPr>
                 <a:defRPr/>
               </a:pPr>
-              <a:t>04/05/2017</a:t>
+              <a:t>24/05/2018</a:t>
             </a:fld>
             <a:endParaRPr lang="pt-BR"/>
           </a:p>
@@ -2653,7 +2653,7 @@
               <a:pPr>
                 <a:defRPr/>
               </a:pPr>
-              <a:t>04/05/2017</a:t>
+              <a:t>24/05/2018</a:t>
             </a:fld>
             <a:endParaRPr lang="pt-BR"/>
           </a:p>
@@ -2793,7 +2793,7 @@
               <a:pPr>
                 <a:defRPr/>
               </a:pPr>
-              <a:t>04/05/2017</a:t>
+              <a:t>24/05/2018</a:t>
             </a:fld>
             <a:endParaRPr lang="pt-BR"/>
           </a:p>
@@ -2910,7 +2910,7 @@
               <a:pPr>
                 <a:defRPr/>
               </a:pPr>
-              <a:t>04/05/2017</a:t>
+              <a:t>24/05/2018</a:t>
             </a:fld>
             <a:endParaRPr lang="pt-BR"/>
           </a:p>
@@ -3136,7 +3136,7 @@
             <a:fld id="{2E700DB3-DBF0-4086-B675-117E7A9610B8}" type="datetimeFigureOut">
               <a:rPr lang="pt-BR" smtClean="0"/>
               <a:pPr/>
-              <a:t>04/05/2017</a:t>
+              <a:t>24/05/2018</a:t>
             </a:fld>
             <a:endParaRPr lang="pt-BR"/>
           </a:p>
@@ -3515,7 +3515,7 @@
           <a:blip r:embed="rId13" cstate="print">
             <a:extLst>
               <a:ext uri="{BEBA8EAE-BF5A-486C-A8C5-ECC9F3942E4B}">
-                <a14:imgProps xmlns:a14="http://schemas.microsoft.com/office/drawing/2010/main" xmlns="">
+                <a14:imgProps xmlns="" xmlns:a14="http://schemas.microsoft.com/office/drawing/2010/main">
                   <a14:imgLayer r:embed="rId14">
                     <a14:imgEffect>
                       <a14:saturation sat="305000"/>
@@ -3702,7 +3702,7 @@
               <a:pPr>
                 <a:defRPr/>
               </a:pPr>
-              <a:t>04/05/2017</a:t>
+              <a:t>24/05/2018</a:t>
             </a:fld>
             <a:endParaRPr lang="pt-BR"/>
           </a:p>
@@ -3839,7 +3839,7 @@
           <a:blip r:embed="rId16" cstate="print">
             <a:extLst>
               <a:ext uri="{28A0092B-C50C-407E-A947-70E740481C1C}">
-                <a14:useLocalDpi xmlns:a14="http://schemas.microsoft.com/office/drawing/2010/main" xmlns="" val="0"/>
+                <a14:useLocalDpi xmlns="" xmlns:a14="http://schemas.microsoft.com/office/drawing/2010/main" val="0"/>
               </a:ext>
             </a:extLst>
           </a:blip>
@@ -3860,14 +3860,14 @@
           </a:ln>
           <a:extLst>
             <a:ext uri="{909E8E84-426E-40DD-AFC4-6F175D3DCCD1}">
-              <a14:hiddenFill xmlns:a14="http://schemas.microsoft.com/office/drawing/2010/main" xmlns="">
+              <a14:hiddenFill xmlns="" xmlns:a14="http://schemas.microsoft.com/office/drawing/2010/main">
                 <a:solidFill>
                   <a:srgbClr val="FFFFFF"/>
                 </a:solidFill>
               </a14:hiddenFill>
             </a:ext>
             <a:ext uri="{91240B29-F687-4F45-9708-019B960494DF}">
-              <a14:hiddenLine xmlns:a14="http://schemas.microsoft.com/office/drawing/2010/main" xmlns="" w="9525">
+              <a14:hiddenLine xmlns="" xmlns:a14="http://schemas.microsoft.com/office/drawing/2010/main" w="9525">
                 <a:solidFill>
                   <a:srgbClr val="000000"/>
                 </a:solidFill>
@@ -4338,14 +4338,14 @@
               <a:t>Recife-PE, </a:t>
             </a:r>
             <a:r>
-              <a:rPr lang="pt-BR" sz="2200" b="1" dirty="0" err="1">
+              <a:rPr lang="pt-BR" sz="2200" b="1" dirty="0" smtClean="0">
                 <a:solidFill>
                   <a:schemeClr val="bg1"/>
                 </a:solidFill>
                 <a:latin typeface="+mn-lt"/>
                 <a:cs typeface="Arial" pitchFamily="34" charset="0"/>
               </a:rPr>
-              <a:t>xx</a:t>
+              <a:t>25 </a:t>
             </a:r>
             <a:r>
               <a:rPr lang="pt-BR" sz="2200" b="1" dirty="0">
@@ -4355,17 +4355,17 @@
                 <a:latin typeface="+mn-lt"/>
                 <a:cs typeface="Arial" pitchFamily="34" charset="0"/>
               </a:rPr>
-              <a:t> de </a:t>
-            </a:r>
-            <a:r>
-              <a:rPr lang="pt-BR" sz="2200" b="1" dirty="0" err="1">
+              <a:t>de </a:t>
+            </a:r>
+            <a:r>
+              <a:rPr lang="pt-BR" sz="2200" b="1" dirty="0" smtClean="0">
                 <a:solidFill>
                   <a:schemeClr val="bg1"/>
                 </a:solidFill>
                 <a:latin typeface="+mn-lt"/>
                 <a:cs typeface="Arial" pitchFamily="34" charset="0"/>
               </a:rPr>
-              <a:t>xxxxxxxxxxxx</a:t>
+              <a:t>maio </a:t>
             </a:r>
             <a:r>
               <a:rPr lang="pt-BR" sz="2200" b="1" dirty="0">
@@ -4375,8 +4375,25 @@
                 <a:latin typeface="+mn-lt"/>
                 <a:cs typeface="Arial" pitchFamily="34" charset="0"/>
               </a:rPr>
-              <a:t> de 201x</a:t>
-            </a:r>
+              <a:t>de </a:t>
+            </a:r>
+            <a:r>
+              <a:rPr lang="pt-BR" sz="2200" b="1" dirty="0" smtClean="0">
+                <a:solidFill>
+                  <a:schemeClr val="bg1"/>
+                </a:solidFill>
+                <a:latin typeface="+mn-lt"/>
+                <a:cs typeface="Arial" pitchFamily="34" charset="0"/>
+              </a:rPr>
+              <a:t>2017</a:t>
+            </a:r>
+            <a:endParaRPr lang="pt-BR" sz="2200" b="1" dirty="0">
+              <a:solidFill>
+                <a:schemeClr val="bg1"/>
+              </a:solidFill>
+              <a:latin typeface="+mn-lt"/>
+              <a:cs typeface="Arial" pitchFamily="34" charset="0"/>
+            </a:endParaRPr>
           </a:p>
         </p:txBody>
       </p:sp>
@@ -4591,7 +4608,7 @@
           <a:blip r:embed="rId2" cstate="print">
             <a:extLst>
               <a:ext uri="{28A0092B-C50C-407E-A947-70E740481C1C}">
-                <a14:useLocalDpi xmlns:a14="http://schemas.microsoft.com/office/drawing/2010/main" xmlns="" val="0"/>
+                <a14:useLocalDpi xmlns="" xmlns:a14="http://schemas.microsoft.com/office/drawing/2010/main" val="0"/>
               </a:ext>
             </a:extLst>
           </a:blip>
@@ -5738,7 +5755,15 @@
             <a:pPr algn="ctr"/>
             <a:r>
               <a:rPr lang="pt-BR" sz="2400" dirty="0" smtClean="0"/>
-              <a:t>Esse “params” é um obeto do tipo dicionário</a:t>
+              <a:t>Esse “params” é um </a:t>
+            </a:r>
+            <a:r>
+              <a:rPr lang="pt-BR" sz="2400" dirty="0" smtClean="0"/>
+              <a:t>objeto </a:t>
+            </a:r>
+            <a:r>
+              <a:rPr lang="pt-BR" sz="2400" dirty="0" smtClean="0"/>
+              <a:t>do tipo dicionário</a:t>
             </a:r>
             <a:endParaRPr lang="pt-BR" sz="2400" dirty="0"/>
           </a:p>
@@ -6556,13 +6581,8 @@
             <a:pPr lvl="1"/>
             <a:r>
               <a:rPr lang="pt-BR" sz="1400" b="1" dirty="0" smtClean="0"/>
-              <a:t>https://pythonhelp.wordpress.com/2014/07/25/acessando-apis-rest-com-python</a:t>
-            </a:r>
-            <a:r>
-              <a:rPr lang="pt-BR" sz="1400" b="1" dirty="0" smtClean="0"/>
-              <a:t>/</a:t>
-            </a:r>
-            <a:endParaRPr lang="pt-BR" sz="1400" b="1" dirty="0" smtClean="0"/>
+              <a:t>https://pythonhelp.wordpress.com/2014/07/25/acessando-apis-rest-com-python/</a:t>
+            </a:r>
           </a:p>
         </p:txBody>
       </p:sp>
